--- a/MineSweeper Presentation.pptx
+++ b/MineSweeper Presentation.pptx
@@ -16621,10 +16621,10 @@
       </p:grpSpPr>
       <p:pic>
         <p:nvPicPr>
-          <p:cNvPr id="5" name="Picture 4" descr="A diagram of a computer system">
+          <p:cNvPr id="5" name="Picture 4" descr="A diagram of a computer system&#10;&#10;AI-generated content may be incorrect.">
             <a:extLst>
               <a:ext uri="{FF2B5EF4-FFF2-40B4-BE49-F238E27FC236}">
-                <a16:creationId xmlns:a16="http://schemas.microsoft.com/office/drawing/2014/main" id="{C44A3C64-A1FD-1DD6-1835-5B094B87117F}"/>
+                <a16:creationId xmlns:a16="http://schemas.microsoft.com/office/drawing/2014/main" id="{7F2F1F06-EC25-6F0E-768C-E2B001F2A9C9}"/>
               </a:ext>
             </a:extLst>
           </p:cNvPr>
@@ -16642,7 +16642,7 @@
         <p:spPr>
           <a:xfrm>
             <a:off x="0" y="0"/>
-            <a:ext cx="12191999" cy="6857999"/>
+            <a:ext cx="12192000" cy="6857999"/>
           </a:xfrm>
           <a:prstGeom prst="rect">
             <a:avLst/>
@@ -16663,7 +16663,7 @@
         </p:nvSpPr>
         <p:spPr>
           <a:xfrm>
-            <a:off x="-1" y="0"/>
+            <a:off x="0" y="-1"/>
             <a:ext cx="12192000" cy="6858000"/>
           </a:xfrm>
           <a:prstGeom prst="rect">
